--- a/zatsuGE_pptx/非自明な＝.pptx
+++ b/zatsuGE_pptx/非自明な＝.pptx
@@ -272,7 +272,7 @@
           <a:p>
             <a:fld id="{92F22505-9A6E-4936-BA8A-B2F1EEF40962}" type="datetimeFigureOut">
               <a:rPr kumimoji="1" lang="ja-JP" altLang="en-US" smtClean="0"/>
-              <a:t>2025/6/6</a:t>
+              <a:t>2025/6/8</a:t>
             </a:fld>
             <a:endParaRPr kumimoji="1" lang="ja-JP" altLang="en-US"/>
           </a:p>
@@ -502,7 +502,7 @@
           <a:p>
             <a:fld id="{92F22505-9A6E-4936-BA8A-B2F1EEF40962}" type="datetimeFigureOut">
               <a:rPr kumimoji="1" lang="ja-JP" altLang="en-US" smtClean="0"/>
-              <a:t>2025/6/6</a:t>
+              <a:t>2025/6/8</a:t>
             </a:fld>
             <a:endParaRPr kumimoji="1" lang="ja-JP" altLang="en-US"/>
           </a:p>
@@ -742,7 +742,7 @@
           <a:p>
             <a:fld id="{92F22505-9A6E-4936-BA8A-B2F1EEF40962}" type="datetimeFigureOut">
               <a:rPr kumimoji="1" lang="ja-JP" altLang="en-US" smtClean="0"/>
-              <a:t>2025/6/6</a:t>
+              <a:t>2025/6/8</a:t>
             </a:fld>
             <a:endParaRPr kumimoji="1" lang="ja-JP" altLang="en-US"/>
           </a:p>
@@ -972,7 +972,7 @@
           <a:p>
             <a:fld id="{92F22505-9A6E-4936-BA8A-B2F1EEF40962}" type="datetimeFigureOut">
               <a:rPr kumimoji="1" lang="ja-JP" altLang="en-US" smtClean="0"/>
-              <a:t>2025/6/6</a:t>
+              <a:t>2025/6/8</a:t>
             </a:fld>
             <a:endParaRPr kumimoji="1" lang="ja-JP" altLang="en-US"/>
           </a:p>
@@ -1247,7 +1247,7 @@
           <a:p>
             <a:fld id="{92F22505-9A6E-4936-BA8A-B2F1EEF40962}" type="datetimeFigureOut">
               <a:rPr kumimoji="1" lang="ja-JP" altLang="en-US" smtClean="0"/>
-              <a:t>2025/6/6</a:t>
+              <a:t>2025/6/8</a:t>
             </a:fld>
             <a:endParaRPr kumimoji="1" lang="ja-JP" altLang="en-US"/>
           </a:p>
@@ -1576,7 +1576,7 @@
           <a:p>
             <a:fld id="{92F22505-9A6E-4936-BA8A-B2F1EEF40962}" type="datetimeFigureOut">
               <a:rPr kumimoji="1" lang="ja-JP" altLang="en-US" smtClean="0"/>
-              <a:t>2025/6/6</a:t>
+              <a:t>2025/6/8</a:t>
             </a:fld>
             <a:endParaRPr kumimoji="1" lang="ja-JP" altLang="en-US"/>
           </a:p>
@@ -2052,7 +2052,7 @@
           <a:p>
             <a:fld id="{92F22505-9A6E-4936-BA8A-B2F1EEF40962}" type="datetimeFigureOut">
               <a:rPr kumimoji="1" lang="ja-JP" altLang="en-US" smtClean="0"/>
-              <a:t>2025/6/6</a:t>
+              <a:t>2025/6/8</a:t>
             </a:fld>
             <a:endParaRPr kumimoji="1" lang="ja-JP" altLang="en-US"/>
           </a:p>
@@ -2193,7 +2193,7 @@
           <a:p>
             <a:fld id="{92F22505-9A6E-4936-BA8A-B2F1EEF40962}" type="datetimeFigureOut">
               <a:rPr kumimoji="1" lang="ja-JP" altLang="en-US" smtClean="0"/>
-              <a:t>2025/6/6</a:t>
+              <a:t>2025/6/8</a:t>
             </a:fld>
             <a:endParaRPr kumimoji="1" lang="ja-JP" altLang="en-US"/>
           </a:p>
@@ -2306,7 +2306,7 @@
           <a:p>
             <a:fld id="{92F22505-9A6E-4936-BA8A-B2F1EEF40962}" type="datetimeFigureOut">
               <a:rPr kumimoji="1" lang="ja-JP" altLang="en-US" smtClean="0"/>
-              <a:t>2025/6/6</a:t>
+              <a:t>2025/6/8</a:t>
             </a:fld>
             <a:endParaRPr kumimoji="1" lang="ja-JP" altLang="en-US"/>
           </a:p>
@@ -2649,7 +2649,7 @@
           <a:p>
             <a:fld id="{92F22505-9A6E-4936-BA8A-B2F1EEF40962}" type="datetimeFigureOut">
               <a:rPr kumimoji="1" lang="ja-JP" altLang="en-US" smtClean="0"/>
-              <a:t>2025/6/6</a:t>
+              <a:t>2025/6/8</a:t>
             </a:fld>
             <a:endParaRPr kumimoji="1" lang="ja-JP" altLang="en-US"/>
           </a:p>
@@ -2940,7 +2940,7 @@
           <a:p>
             <a:fld id="{92F22505-9A6E-4936-BA8A-B2F1EEF40962}" type="datetimeFigureOut">
               <a:rPr kumimoji="1" lang="ja-JP" altLang="en-US" smtClean="0"/>
-              <a:t>2025/6/6</a:t>
+              <a:t>2025/6/8</a:t>
             </a:fld>
             <a:endParaRPr kumimoji="1" lang="ja-JP" altLang="en-US"/>
           </a:p>
@@ -3213,7 +3213,7 @@
           <a:p>
             <a:fld id="{92F22505-9A6E-4936-BA8A-B2F1EEF40962}" type="datetimeFigureOut">
               <a:rPr kumimoji="1" lang="ja-JP" altLang="en-US" smtClean="0"/>
-              <a:t>2025/6/6</a:t>
+              <a:t>2025/6/8</a:t>
             </a:fld>
             <a:endParaRPr kumimoji="1" lang="ja-JP" altLang="en-US"/>
           </a:p>

--- a/zatsuGE_pptx/非自明な＝.pptx
+++ b/zatsuGE_pptx/非自明な＝.pptx
@@ -11,14 +11,17 @@
     <p:sldId id="277" r:id="rId5"/>
     <p:sldId id="280" r:id="rId6"/>
     <p:sldId id="276" r:id="rId7"/>
-    <p:sldId id="279" r:id="rId8"/>
-    <p:sldId id="282" r:id="rId9"/>
+    <p:sldId id="282" r:id="rId8"/>
+    <p:sldId id="288" r:id="rId9"/>
     <p:sldId id="287" r:id="rId10"/>
-    <p:sldId id="281" r:id="rId11"/>
-    <p:sldId id="285" r:id="rId12"/>
-    <p:sldId id="283" r:id="rId13"/>
-    <p:sldId id="284" r:id="rId14"/>
-    <p:sldId id="286" r:id="rId15"/>
+    <p:sldId id="279" r:id="rId11"/>
+    <p:sldId id="289" r:id="rId12"/>
+    <p:sldId id="281" r:id="rId13"/>
+    <p:sldId id="285" r:id="rId14"/>
+    <p:sldId id="290" r:id="rId15"/>
+    <p:sldId id="283" r:id="rId16"/>
+    <p:sldId id="284" r:id="rId17"/>
+    <p:sldId id="286" r:id="rId18"/>
   </p:sldIdLst>
   <p:sldSz cx="12192000" cy="6858000"/>
   <p:notesSz cx="6858000" cy="9144000"/>
@@ -3767,7 +3770,7 @@
           <p:cNvPr id="2" name="タイトル 1">
             <a:extLst>
               <a:ext uri="{FF2B5EF4-FFF2-40B4-BE49-F238E27FC236}">
-                <a16:creationId xmlns:a16="http://schemas.microsoft.com/office/drawing/2014/main" id="{469FB8E9-D90F-3528-7693-E980E2C27BAE}"/>
+                <a16:creationId xmlns:a16="http://schemas.microsoft.com/office/drawing/2014/main" id="{484F5812-9762-CCEE-58C2-8F603CDC9011}"/>
               </a:ext>
             </a:extLst>
           </p:cNvPr>
@@ -3784,16 +3787,20 @@
           <a:lstStyle/>
           <a:p>
             <a:r>
+              <a:rPr kumimoji="1" lang="en-US" altLang="ja-JP" dirty="0"/>
+              <a:t>Copy</a:t>
+            </a:r>
+            <a:r>
               <a:rPr kumimoji="1" lang="ja-JP" altLang="en-US" dirty="0"/>
-              <a:t>非自明な「</a:t>
+              <a:t>コンストラクタ、</a:t>
             </a:r>
             <a:r>
               <a:rPr kumimoji="1" lang="en-US" altLang="ja-JP" dirty="0"/>
-              <a:t>=</a:t>
+              <a:t>Copy</a:t>
             </a:r>
             <a:r>
               <a:rPr kumimoji="1" lang="ja-JP" altLang="en-US" dirty="0"/>
-              <a:t>」まとめ</a:t>
+              <a:t>代入演算子</a:t>
             </a:r>
           </a:p>
         </p:txBody>
@@ -3803,7 +3810,7 @@
           <p:cNvPr id="3" name="コンテンツ プレースホルダー 2">
             <a:extLst>
               <a:ext uri="{FF2B5EF4-FFF2-40B4-BE49-F238E27FC236}">
-                <a16:creationId xmlns:a16="http://schemas.microsoft.com/office/drawing/2014/main" id="{2E20F22D-82EA-6F75-0782-2F8C83CE9F6A}"/>
+                <a16:creationId xmlns:a16="http://schemas.microsoft.com/office/drawing/2014/main" id="{6C4F3C2C-974A-C66C-5EC1-5F472533DCF9}"/>
               </a:ext>
             </a:extLst>
           </p:cNvPr>
@@ -3819,82 +3826,84 @@
           <a:bodyPr/>
           <a:lstStyle/>
           <a:p>
+            <a:pPr marL="0" indent="0">
+              <a:buNone/>
+            </a:pPr>
+            <a:r>
+              <a:rPr kumimoji="1" lang="en-US" altLang="ja-JP" dirty="0"/>
+              <a:t>Window</a:t>
+            </a:r>
+            <a:r>
+              <a:rPr kumimoji="1" lang="ja-JP" altLang="en-US" dirty="0"/>
+              <a:t>の複製とは？？</a:t>
+            </a:r>
+            <a:endParaRPr kumimoji="1" lang="en-US" altLang="ja-JP" dirty="0"/>
+          </a:p>
+          <a:p>
             <a:pPr>
-              <a:buFontTx/>
-              <a:buChar char="-"/>
+              <a:buFont typeface="Wingdings" panose="05000000000000000000" pitchFamily="2" charset="2"/>
+              <a:buChar char="è"/>
             </a:pPr>
             <a:r>
-              <a:rPr kumimoji="1" lang="ja-JP" altLang="en-US" dirty="0"/>
-              <a:t>代入演算子では、既に入っている値の解放を行う</a:t>
-            </a:r>
-            <a:endParaRPr kumimoji="1" lang="en-US" altLang="ja-JP" dirty="0"/>
-          </a:p>
-          <a:p>
-            <a:pPr>
-              <a:buFontTx/>
-              <a:buChar char="-"/>
+              <a:rPr lang="ja-JP" altLang="en-US" b="1" dirty="0"/>
+              <a:t> 複製は不可能ということも多い</a:t>
+            </a:r>
+            <a:endParaRPr lang="en-US" altLang="ja-JP" b="1" dirty="0"/>
+          </a:p>
+          <a:p>
+            <a:pPr marL="0" indent="0">
+              <a:buNone/>
             </a:pPr>
-            <a:r>
-              <a:rPr kumimoji="1" lang="en-US" altLang="ja-JP" dirty="0"/>
-              <a:t>copy</a:t>
-            </a:r>
-            <a:r>
-              <a:rPr kumimoji="1" lang="ja-JP" altLang="en-US" dirty="0"/>
-              <a:t>では、右側の中身を</a:t>
-            </a:r>
-            <a:r>
-              <a:rPr kumimoji="1" lang="en-US" altLang="ja-JP" dirty="0"/>
-              <a:t>clone</a:t>
-            </a:r>
-            <a:r>
-              <a:rPr kumimoji="1" lang="ja-JP" altLang="en-US" dirty="0"/>
-              <a:t>した値を入れる</a:t>
-            </a:r>
-            <a:endParaRPr kumimoji="1" lang="en-US" altLang="ja-JP" dirty="0"/>
-          </a:p>
-          <a:p>
-            <a:pPr>
-              <a:buFontTx/>
-              <a:buChar char="-"/>
+            <a:endParaRPr lang="en-US" altLang="ja-JP" b="1" dirty="0"/>
+          </a:p>
+          <a:p>
+            <a:pPr marL="0" indent="0">
+              <a:buNone/>
             </a:pPr>
-            <a:r>
-              <a:rPr lang="en-US" altLang="ja-JP" dirty="0"/>
-              <a:t>move</a:t>
-            </a:r>
-            <a:r>
-              <a:rPr lang="ja-JP" altLang="en-US" dirty="0"/>
-              <a:t>では、右側の値をそのまま入れ、右側を</a:t>
-            </a:r>
-            <a:r>
-              <a:rPr lang="en-US" altLang="ja-JP" dirty="0"/>
-              <a:t>”</a:t>
-            </a:r>
-            <a:r>
-              <a:rPr lang="ja-JP" altLang="en-US" dirty="0"/>
-              <a:t>移し済み</a:t>
-            </a:r>
-            <a:r>
-              <a:rPr lang="en-US" altLang="ja-JP" dirty="0"/>
-              <a:t>”</a:t>
-            </a:r>
-            <a:r>
-              <a:rPr lang="ja-JP" altLang="en-US" dirty="0"/>
-              <a:t>にする</a:t>
-            </a:r>
-            <a:endParaRPr lang="en-US" altLang="ja-JP" dirty="0"/>
-          </a:p>
-          <a:p>
-            <a:pPr marL="0" indent="0">
-              <a:buNone/>
-            </a:pPr>
-            <a:endParaRPr kumimoji="1" lang="ja-JP" altLang="en-US" dirty="0"/>
-          </a:p>
-        </p:txBody>
-      </p:sp>
+            <a:endParaRPr lang="en-US" altLang="ja-JP" b="1" dirty="0"/>
+          </a:p>
+        </p:txBody>
+      </p:sp>
+      <p:pic>
+        <p:nvPicPr>
+          <p:cNvPr id="7" name="図 6" descr="テキスト&#10;&#10;AI 生成コンテンツは誤りを含む可能性があります。">
+            <a:extLst>
+              <a:ext uri="{FF2B5EF4-FFF2-40B4-BE49-F238E27FC236}">
+                <a16:creationId xmlns:a16="http://schemas.microsoft.com/office/drawing/2014/main" id="{621831BA-DED8-D88D-1197-05E89A4FBEB7}"/>
+              </a:ext>
+            </a:extLst>
+          </p:cNvPr>
+          <p:cNvPicPr>
+            <a:picLocks noChangeAspect="1"/>
+          </p:cNvPicPr>
+          <p:nvPr/>
+        </p:nvPicPr>
+        <p:blipFill>
+          <a:blip r:embed="rId2">
+            <a:extLst>
+              <a:ext uri="{28A0092B-C50C-407E-A947-70E740481C1C}">
+                <a14:useLocalDpi xmlns:a14="http://schemas.microsoft.com/office/drawing/2010/main" val="0"/>
+              </a:ext>
+            </a:extLst>
+          </a:blip>
+          <a:stretch>
+            <a:fillRect/>
+          </a:stretch>
+        </p:blipFill>
+        <p:spPr>
+          <a:xfrm>
+            <a:off x="3118376" y="3292472"/>
+            <a:ext cx="4439270" cy="2438740"/>
+          </a:xfrm>
+          <a:prstGeom prst="rect">
+            <a:avLst/>
+          </a:prstGeom>
+        </p:spPr>
+      </p:pic>
     </p:spTree>
     <p:extLst>
       <p:ext uri="{BB962C8B-B14F-4D97-AF65-F5344CB8AC3E}">
-        <p14:creationId xmlns:p14="http://schemas.microsoft.com/office/powerpoint/2010/main" val="2333346637"/>
+        <p14:creationId xmlns:p14="http://schemas.microsoft.com/office/powerpoint/2010/main" val="1661574308"/>
       </p:ext>
     </p:extLst>
   </p:cSld>
@@ -3909,7 +3918,13 @@
   <p:cSld>
     <p:spTree>
       <p:nvGrpSpPr>
-        <p:cNvPr id="1" name=""/>
+        <p:cNvPr id="1" name="">
+          <a:extLst>
+            <a:ext uri="{FF2B5EF4-FFF2-40B4-BE49-F238E27FC236}">
+              <a16:creationId xmlns:a16="http://schemas.microsoft.com/office/drawing/2014/main" id="{49F4F796-0AF6-9DA0-D8F6-5CAECACA1E42}"/>
+            </a:ext>
+          </a:extLst>
+        </p:cNvPr>
         <p:cNvGrpSpPr/>
         <p:nvPr/>
       </p:nvGrpSpPr>
@@ -3926,7 +3941,7 @@
           <p:cNvPr id="2" name="タイトル 1">
             <a:extLst>
               <a:ext uri="{FF2B5EF4-FFF2-40B4-BE49-F238E27FC236}">
-                <a16:creationId xmlns:a16="http://schemas.microsoft.com/office/drawing/2014/main" id="{E2AEFBF2-27FC-9483-F855-30BCE8A0672B}"/>
+                <a16:creationId xmlns:a16="http://schemas.microsoft.com/office/drawing/2014/main" id="{169DF7F2-826D-8B03-A6E4-2B3F59CA0D51}"/>
               </a:ext>
             </a:extLst>
           </p:cNvPr>
@@ -3944,11 +3959,19 @@
           <a:p>
             <a:r>
               <a:rPr kumimoji="1" lang="en-US" altLang="ja-JP" dirty="0"/>
-              <a:t>Copy/Move, Destructor</a:t>
+              <a:t>Copy</a:t>
             </a:r>
             <a:r>
               <a:rPr kumimoji="1" lang="ja-JP" altLang="en-US" dirty="0"/>
-              <a:t>の自動実装</a:t>
+              <a:t>コンストラクタ、</a:t>
+            </a:r>
+            <a:r>
+              <a:rPr kumimoji="1" lang="en-US" altLang="ja-JP" dirty="0"/>
+              <a:t>Copy</a:t>
+            </a:r>
+            <a:r>
+              <a:rPr kumimoji="1" lang="ja-JP" altLang="en-US" dirty="0"/>
+              <a:t>代入演算子</a:t>
             </a:r>
           </a:p>
         </p:txBody>
@@ -3958,7 +3981,7 @@
           <p:cNvPr id="3" name="コンテンツ プレースホルダー 2">
             <a:extLst>
               <a:ext uri="{FF2B5EF4-FFF2-40B4-BE49-F238E27FC236}">
-                <a16:creationId xmlns:a16="http://schemas.microsoft.com/office/drawing/2014/main" id="{54E9E786-6BD0-04A0-3B5E-222B4EB81043}"/>
+                <a16:creationId xmlns:a16="http://schemas.microsoft.com/office/drawing/2014/main" id="{0AF176A9-71BB-2F2A-6785-80BD071386E2}"/>
               </a:ext>
             </a:extLst>
           </p:cNvPr>
@@ -3975,79 +3998,33 @@
           <a:lstStyle/>
           <a:p>
             <a:r>
+              <a:rPr lang="ja-JP" altLang="en-US" dirty="0"/>
+              <a:t>借用で右側を受ける</a:t>
+            </a:r>
+            <a:endParaRPr lang="en-US" altLang="ja-JP" dirty="0"/>
+          </a:p>
+          <a:p>
+            <a:pPr lvl="1"/>
+            <a:r>
+              <a:rPr lang="ja-JP" altLang="en-US" dirty="0"/>
+              <a:t>「弄らない」のだから、</a:t>
+            </a:r>
+            <a:r>
               <a:rPr lang="en-US" altLang="ja-JP" dirty="0"/>
-              <a:t>Copy/Move </a:t>
-            </a:r>
-            <a:r>
-              <a:rPr lang="en-US" altLang="ja-JP" dirty="0" err="1"/>
-              <a:t>Ctor</a:t>
-            </a:r>
-            <a:r>
-              <a:rPr lang="en-US" altLang="ja-JP" dirty="0"/>
-              <a:t>/Assign</a:t>
+              <a:t>const</a:t>
             </a:r>
             <a:r>
               <a:rPr lang="ja-JP" altLang="en-US" dirty="0"/>
-              <a:t>や</a:t>
-            </a:r>
-            <a:r>
-              <a:rPr lang="en-US" altLang="ja-JP" dirty="0" err="1"/>
-              <a:t>Dtor</a:t>
-            </a:r>
-            <a:r>
-              <a:rPr lang="ja-JP" altLang="en-US" dirty="0"/>
-              <a:t>は自動実装できる</a:t>
-            </a:r>
-            <a:endParaRPr lang="en-US" altLang="ja-JP" dirty="0"/>
-          </a:p>
-          <a:p>
-            <a:r>
-              <a:rPr lang="ja-JP" altLang="en-US" dirty="0"/>
-              <a:t>再帰的に、各メンバについてそれぞれを呼び出す</a:t>
-            </a:r>
-            <a:endParaRPr lang="en-US" altLang="ja-JP" dirty="0"/>
-          </a:p>
-          <a:p>
-            <a:pPr>
-              <a:buFont typeface="Wingdings" panose="05000000000000000000" pitchFamily="2" charset="2"/>
-              <a:buChar char="è"/>
-            </a:pPr>
-            <a:r>
-              <a:rPr lang="ja-JP" altLang="en-US" dirty="0"/>
-              <a:t> 一度真面目に用意してやれば</a:t>
-            </a:r>
-            <a:r>
-              <a:rPr lang="en-US" altLang="ja-JP" dirty="0"/>
-              <a:t>OK</a:t>
-            </a:r>
-          </a:p>
-          <a:p>
-            <a:pPr>
-              <a:buFont typeface="Wingdings" panose="05000000000000000000" pitchFamily="2" charset="2"/>
-              <a:buChar char="è"/>
-            </a:pPr>
-            <a:endParaRPr lang="en-US" altLang="ja-JP" dirty="0"/>
-          </a:p>
-          <a:p>
-            <a:pPr marL="0" indent="0">
-              <a:buNone/>
-            </a:pPr>
-            <a:r>
-              <a:rPr lang="en-US" altLang="ja-JP" dirty="0"/>
-              <a:t>TODO: = default</a:t>
-            </a:r>
-            <a:r>
-              <a:rPr lang="ja-JP" altLang="en-US" dirty="0"/>
-              <a:t>のスクショ</a:t>
-            </a:r>
-            <a:endParaRPr lang="en-US" altLang="ja-JP" dirty="0"/>
+              <a:t>な借用</a:t>
+            </a:r>
+            <a:endParaRPr kumimoji="1" lang="en-US" altLang="ja-JP" dirty="0"/>
           </a:p>
         </p:txBody>
       </p:sp>
     </p:spTree>
     <p:extLst>
       <p:ext uri="{BB962C8B-B14F-4D97-AF65-F5344CB8AC3E}">
-        <p14:creationId xmlns:p14="http://schemas.microsoft.com/office/powerpoint/2010/main" val="1469056180"/>
+        <p14:creationId xmlns:p14="http://schemas.microsoft.com/office/powerpoint/2010/main" val="1668379018"/>
       </p:ext>
     </p:extLst>
   </p:cSld>
@@ -4079,7 +4056,7 @@
           <p:cNvPr id="2" name="タイトル 1">
             <a:extLst>
               <a:ext uri="{FF2B5EF4-FFF2-40B4-BE49-F238E27FC236}">
-                <a16:creationId xmlns:a16="http://schemas.microsoft.com/office/drawing/2014/main" id="{9F37EB67-F9C8-FAE6-43E7-3463C106C259}"/>
+                <a16:creationId xmlns:a16="http://schemas.microsoft.com/office/drawing/2014/main" id="{469FB8E9-D90F-3528-7693-E980E2C27BAE}"/>
               </a:ext>
             </a:extLst>
           </p:cNvPr>
@@ -4096,128 +4073,117 @@
           <a:lstStyle/>
           <a:p>
             <a:r>
+              <a:rPr kumimoji="1" lang="ja-JP" altLang="en-US" dirty="0"/>
+              <a:t>非自明な「</a:t>
+            </a:r>
+            <a:r>
+              <a:rPr kumimoji="1" lang="en-US" altLang="ja-JP" dirty="0"/>
+              <a:t>=</a:t>
+            </a:r>
+            <a:r>
+              <a:rPr kumimoji="1" lang="ja-JP" altLang="en-US" dirty="0"/>
+              <a:t>」まとめ</a:t>
+            </a:r>
+          </a:p>
+        </p:txBody>
+      </p:sp>
+      <p:sp>
+        <p:nvSpPr>
+          <p:cNvPr id="3" name="コンテンツ プレースホルダー 2">
+            <a:extLst>
+              <a:ext uri="{FF2B5EF4-FFF2-40B4-BE49-F238E27FC236}">
+                <a16:creationId xmlns:a16="http://schemas.microsoft.com/office/drawing/2014/main" id="{2E20F22D-82EA-6F75-0782-2F8C83CE9F6A}"/>
+              </a:ext>
+            </a:extLst>
+          </p:cNvPr>
+          <p:cNvSpPr>
+            <a:spLocks noGrp="1"/>
+          </p:cNvSpPr>
+          <p:nvPr>
+            <p:ph idx="1"/>
+          </p:nvPr>
+        </p:nvSpPr>
+        <p:spPr/>
+        <p:txBody>
+          <a:bodyPr/>
+          <a:lstStyle/>
+          <a:p>
+            <a:pPr>
+              <a:buFontTx/>
+              <a:buChar char="-"/>
+            </a:pPr>
+            <a:r>
+              <a:rPr kumimoji="1" lang="ja-JP" altLang="en-US" dirty="0"/>
+              <a:t>代入演算子では、既に入っている値の解放を行う</a:t>
+            </a:r>
+            <a:endParaRPr kumimoji="1" lang="en-US" altLang="ja-JP" dirty="0"/>
+          </a:p>
+          <a:p>
+            <a:pPr>
+              <a:buFontTx/>
+              <a:buChar char="-"/>
+            </a:pPr>
+            <a:r>
+              <a:rPr kumimoji="1" lang="en-US" altLang="ja-JP" dirty="0"/>
+              <a:t>copy</a:t>
+            </a:r>
+            <a:r>
+              <a:rPr kumimoji="1" lang="ja-JP" altLang="en-US" dirty="0"/>
+              <a:t>では、右側の中身を</a:t>
+            </a:r>
+            <a:r>
+              <a:rPr kumimoji="1" lang="en-US" altLang="ja-JP" dirty="0"/>
+              <a:t>clone</a:t>
+            </a:r>
+            <a:r>
+              <a:rPr kumimoji="1" lang="ja-JP" altLang="en-US" dirty="0"/>
+              <a:t>した値を入れる</a:t>
+            </a:r>
+            <a:endParaRPr kumimoji="1" lang="en-US" altLang="ja-JP" dirty="0"/>
+          </a:p>
+          <a:p>
+            <a:pPr>
+              <a:buFontTx/>
+              <a:buChar char="-"/>
+            </a:pPr>
+            <a:r>
+              <a:rPr lang="en-US" altLang="ja-JP" dirty="0"/>
+              <a:t>move</a:t>
+            </a:r>
+            <a:r>
               <a:rPr lang="ja-JP" altLang="en-US" dirty="0"/>
-              <a:t>非自明な「</a:t>
+              <a:t>では、右側の値をそのまま入れ、右側を</a:t>
             </a:r>
             <a:r>
               <a:rPr lang="en-US" altLang="ja-JP" dirty="0"/>
-              <a:t>=</a:t>
+              <a:t>”</a:t>
             </a:r>
             <a:r>
               <a:rPr lang="ja-JP" altLang="en-US" dirty="0"/>
-              <a:t>」は過ちである</a:t>
-            </a:r>
+              <a:t>移し済み</a:t>
+            </a:r>
+            <a:r>
+              <a:rPr lang="en-US" altLang="ja-JP" dirty="0"/>
+              <a:t>”</a:t>
+            </a:r>
+            <a:r>
+              <a:rPr lang="ja-JP" altLang="en-US" dirty="0"/>
+              <a:t>にする</a:t>
+            </a:r>
+            <a:endParaRPr lang="en-US" altLang="ja-JP" dirty="0"/>
+          </a:p>
+          <a:p>
+            <a:pPr marL="0" indent="0">
+              <a:buNone/>
+            </a:pPr>
             <a:endParaRPr kumimoji="1" lang="ja-JP" altLang="en-US" dirty="0"/>
-          </a:p>
-        </p:txBody>
-      </p:sp>
-      <p:sp>
-        <p:nvSpPr>
-          <p:cNvPr id="3" name="コンテンツ プレースホルダー 2">
-            <a:extLst>
-              <a:ext uri="{FF2B5EF4-FFF2-40B4-BE49-F238E27FC236}">
-                <a16:creationId xmlns:a16="http://schemas.microsoft.com/office/drawing/2014/main" id="{3C990EE9-A71D-86CF-39AC-54CD27C36D6B}"/>
-              </a:ext>
-            </a:extLst>
-          </p:cNvPr>
-          <p:cNvSpPr>
-            <a:spLocks noGrp="1"/>
-          </p:cNvSpPr>
-          <p:nvPr>
-            <p:ph idx="1"/>
-          </p:nvPr>
-        </p:nvSpPr>
-        <p:spPr/>
-        <p:txBody>
-          <a:bodyPr>
-            <a:normAutofit/>
-          </a:bodyPr>
-          <a:lstStyle/>
-          <a:p>
-            <a:pPr marL="0" indent="0">
-              <a:buNone/>
-            </a:pPr>
-            <a:r>
-              <a:rPr lang="ja-JP" altLang="en-US" sz="2600" dirty="0"/>
-              <a:t>もし、値の生存範囲がちゃんと判断できたなら</a:t>
-            </a:r>
-            <a:r>
-              <a:rPr lang="en-US" altLang="ja-JP" sz="2600" dirty="0"/>
-              <a:t>…</a:t>
-            </a:r>
-          </a:p>
-          <a:p>
-            <a:pPr marL="0" indent="0">
-              <a:buNone/>
-            </a:pPr>
-            <a:endParaRPr kumimoji="1" lang="en-US" altLang="ja-JP" sz="2600" dirty="0"/>
-          </a:p>
-          <a:p>
-            <a:r>
-              <a:rPr lang="ja-JP" altLang="en-US" sz="2600" dirty="0"/>
-              <a:t>左側の解放処理の有無を</a:t>
-            </a:r>
-            <a:br>
-              <a:rPr lang="en-US" altLang="ja-JP" sz="2600" dirty="0"/>
-            </a:br>
-            <a:r>
-              <a:rPr kumimoji="1" lang="ja-JP" altLang="en-US" sz="2600" dirty="0"/>
-              <a:t>コンストラクタと代入演算子で表現する必要はない</a:t>
-            </a:r>
-            <a:endParaRPr kumimoji="1" lang="en-US" altLang="ja-JP" sz="2600" dirty="0"/>
-          </a:p>
-          <a:p>
-            <a:r>
-              <a:rPr kumimoji="1" lang="en-US" altLang="ja-JP" sz="2600" dirty="0"/>
-              <a:t>Move</a:t>
-            </a:r>
-            <a:r>
-              <a:rPr lang="ja-JP" altLang="en-US" sz="2600" dirty="0"/>
-              <a:t>で右側を「失った状態」にする必要もない</a:t>
-            </a:r>
-            <a:endParaRPr lang="en-US" altLang="ja-JP" sz="2600" dirty="0"/>
-          </a:p>
-          <a:p>
-            <a:r>
-              <a:rPr lang="en-US" altLang="ja-JP" sz="2600" dirty="0"/>
-              <a:t>Copy</a:t>
-            </a:r>
-            <a:r>
-              <a:rPr lang="ja-JP" altLang="en-US" sz="2600" dirty="0"/>
-              <a:t>したいなら普通に複製を行う関数を用意し、使えばいい</a:t>
-            </a:r>
-            <a:endParaRPr lang="en-US" altLang="ja-JP" sz="2600" dirty="0"/>
-          </a:p>
-          <a:p>
-            <a:endParaRPr lang="en-US" altLang="ja-JP" sz="2600" dirty="0"/>
-          </a:p>
-          <a:p>
-            <a:pPr>
-              <a:buFont typeface="Wingdings" panose="05000000000000000000" pitchFamily="2" charset="2"/>
-              <a:buChar char="è"/>
-            </a:pPr>
-            <a:r>
-              <a:rPr lang="ja-JP" altLang="en-US" sz="2600" dirty="0"/>
-              <a:t> 代入は自明！</a:t>
-            </a:r>
-            <a:endParaRPr lang="en-US" altLang="ja-JP" sz="2600" dirty="0"/>
-          </a:p>
-          <a:p>
-            <a:pPr marL="0" indent="0">
-              <a:buNone/>
-            </a:pPr>
-            <a:r>
-              <a:rPr lang="ja-JP" altLang="en-US" sz="2600" dirty="0"/>
-              <a:t>思わぬところで変な処理が蠢くキモさを無くせる</a:t>
-            </a:r>
-            <a:endParaRPr lang="en-US" altLang="ja-JP" sz="2600" dirty="0"/>
           </a:p>
         </p:txBody>
       </p:sp>
     </p:spTree>
     <p:extLst>
       <p:ext uri="{BB962C8B-B14F-4D97-AF65-F5344CB8AC3E}">
-        <p14:creationId xmlns:p14="http://schemas.microsoft.com/office/powerpoint/2010/main" val="3803457927"/>
+        <p14:creationId xmlns:p14="http://schemas.microsoft.com/office/powerpoint/2010/main" val="2333346637"/>
       </p:ext>
     </p:extLst>
   </p:cSld>
@@ -4249,7 +4215,7 @@
           <p:cNvPr id="2" name="タイトル 1">
             <a:extLst>
               <a:ext uri="{FF2B5EF4-FFF2-40B4-BE49-F238E27FC236}">
-                <a16:creationId xmlns:a16="http://schemas.microsoft.com/office/drawing/2014/main" id="{4CB5D036-7A6B-C60A-7B7B-1951F84F4C52}"/>
+                <a16:creationId xmlns:a16="http://schemas.microsoft.com/office/drawing/2014/main" id="{E2AEFBF2-27FC-9483-F855-30BCE8A0672B}"/>
               </a:ext>
             </a:extLst>
           </p:cNvPr>
@@ -4266,86 +4232,103 @@
           <a:lstStyle/>
           <a:p>
             <a:r>
+              <a:rPr kumimoji="1" lang="en-US" altLang="ja-JP" dirty="0"/>
+              <a:t>Copy/Move, Destructor</a:t>
+            </a:r>
+            <a:r>
+              <a:rPr kumimoji="1" lang="ja-JP" altLang="en-US" dirty="0"/>
+              <a:t>の自動実装</a:t>
+            </a:r>
+          </a:p>
+        </p:txBody>
+      </p:sp>
+      <p:sp>
+        <p:nvSpPr>
+          <p:cNvPr id="3" name="コンテンツ プレースホルダー 2">
+            <a:extLst>
+              <a:ext uri="{FF2B5EF4-FFF2-40B4-BE49-F238E27FC236}">
+                <a16:creationId xmlns:a16="http://schemas.microsoft.com/office/drawing/2014/main" id="{54E9E786-6BD0-04A0-3B5E-222B4EB81043}"/>
+              </a:ext>
+            </a:extLst>
+          </p:cNvPr>
+          <p:cNvSpPr>
+            <a:spLocks noGrp="1"/>
+          </p:cNvSpPr>
+          <p:nvPr>
+            <p:ph idx="1"/>
+          </p:nvPr>
+        </p:nvSpPr>
+        <p:spPr/>
+        <p:txBody>
+          <a:bodyPr/>
+          <a:lstStyle/>
+          <a:p>
+            <a:r>
+              <a:rPr lang="en-US" altLang="ja-JP" dirty="0"/>
+              <a:t>Copy/Move </a:t>
+            </a:r>
+            <a:r>
+              <a:rPr lang="en-US" altLang="ja-JP" dirty="0" err="1"/>
+              <a:t>Ctor</a:t>
+            </a:r>
+            <a:r>
+              <a:rPr lang="en-US" altLang="ja-JP" dirty="0"/>
+              <a:t>/Assign</a:t>
+            </a:r>
+            <a:r>
               <a:rPr lang="ja-JP" altLang="en-US" dirty="0"/>
-              <a:t>約束の地、</a:t>
+              <a:t>や</a:t>
+            </a:r>
+            <a:r>
+              <a:rPr lang="en-US" altLang="ja-JP" dirty="0" err="1"/>
+              <a:t>Dtor</a:t>
+            </a:r>
+            <a:r>
+              <a:rPr lang="ja-JP" altLang="en-US" dirty="0"/>
+              <a:t>は自動実装できる</a:t>
+            </a:r>
+            <a:endParaRPr lang="en-US" altLang="ja-JP" dirty="0"/>
+          </a:p>
+          <a:p>
+            <a:r>
+              <a:rPr lang="ja-JP" altLang="en-US" dirty="0"/>
+              <a:t>再帰的に、各メンバについてそれぞれを呼び出す</a:t>
+            </a:r>
+            <a:endParaRPr lang="en-US" altLang="ja-JP" dirty="0"/>
+          </a:p>
+          <a:p>
+            <a:pPr>
+              <a:buFont typeface="Wingdings" panose="05000000000000000000" pitchFamily="2" charset="2"/>
+              <a:buChar char="è"/>
+            </a:pPr>
+            <a:r>
+              <a:rPr lang="ja-JP" altLang="en-US" dirty="0"/>
+              <a:t> 一度真面目に用意してやれば</a:t>
             </a:r>
             <a:r>
               <a:rPr lang="en-US" altLang="ja-JP" dirty="0"/>
-              <a:t>Rust</a:t>
-            </a:r>
+              <a:t>OK</a:t>
+            </a:r>
+          </a:p>
+          <a:p>
             <a:r>
               <a:rPr lang="ja-JP" altLang="en-US" dirty="0"/>
-              <a:t>へ行かん</a:t>
-            </a:r>
-            <a:endParaRPr kumimoji="1" lang="ja-JP" altLang="en-US" dirty="0"/>
-          </a:p>
-        </p:txBody>
-      </p:sp>
-      <p:sp>
-        <p:nvSpPr>
-          <p:cNvPr id="3" name="コンテンツ プレースホルダー 2">
-            <a:extLst>
-              <a:ext uri="{FF2B5EF4-FFF2-40B4-BE49-F238E27FC236}">
-                <a16:creationId xmlns:a16="http://schemas.microsoft.com/office/drawing/2014/main" id="{A4F3A7DD-28C9-FB44-B4D9-376762FD1D81}"/>
-              </a:ext>
-            </a:extLst>
-          </p:cNvPr>
-          <p:cNvSpPr>
-            <a:spLocks noGrp="1"/>
-          </p:cNvSpPr>
-          <p:nvPr>
-            <p:ph idx="1"/>
-          </p:nvPr>
-        </p:nvSpPr>
-        <p:spPr>
-          <a:xfrm>
-            <a:off x="838200" y="1845289"/>
-            <a:ext cx="10515600" cy="4351338"/>
-          </a:xfrm>
-        </p:spPr>
-        <p:txBody>
-          <a:bodyPr/>
-          <a:lstStyle/>
+              <a:t>逆に、勝手に生えてほしくない場合は明示的に削除できる</a:t>
+            </a:r>
+            <a:endParaRPr lang="en-US" altLang="ja-JP" dirty="0"/>
+          </a:p>
+          <a:p>
+            <a:pPr>
+              <a:buFont typeface="Wingdings" panose="05000000000000000000" pitchFamily="2" charset="2"/>
+              <a:buChar char="è"/>
+            </a:pPr>
+            <a:endParaRPr lang="en-US" altLang="ja-JP" dirty="0"/>
+          </a:p>
           <a:p>
             <a:pPr marL="0" indent="0">
               <a:buNone/>
             </a:pPr>
-            <a:r>
-              <a:rPr lang="en-US" altLang="ja-JP" dirty="0"/>
-              <a:t>CRS</a:t>
-            </a:r>
-            <a:r>
-              <a:rPr lang="ja-JP" altLang="en-US" dirty="0"/>
-              <a:t>「みんな</a:t>
-            </a:r>
-            <a:r>
-              <a:rPr lang="en-US" altLang="ja-JP" dirty="0"/>
-              <a:t>C++</a:t>
-            </a:r>
-            <a:r>
-              <a:rPr lang="ja-JP" altLang="en-US" dirty="0"/>
-              <a:t>を使ってます。だからダメです」</a:t>
-            </a:r>
             <a:endParaRPr lang="en-US" altLang="ja-JP" dirty="0"/>
-          </a:p>
-          <a:p>
-            <a:pPr marL="0" indent="0">
-              <a:buNone/>
-            </a:pPr>
-            <a:endParaRPr kumimoji="1" lang="en-US" altLang="ja-JP" dirty="0"/>
-          </a:p>
-          <a:p>
-            <a:pPr marL="0" indent="0">
-              <a:buNone/>
-            </a:pPr>
-            <a:r>
-              <a:rPr lang="ja-JP" altLang="en-US" dirty="0"/>
-              <a:t>はい</a:t>
-            </a:r>
-            <a:r>
-              <a:rPr lang="en-US" altLang="ja-JP" dirty="0"/>
-              <a:t>…</a:t>
-            </a:r>
           </a:p>
           <a:p>
             <a:pPr marL="0" indent="0">
@@ -4358,7 +4341,7 @@
     </p:spTree>
     <p:extLst>
       <p:ext uri="{BB962C8B-B14F-4D97-AF65-F5344CB8AC3E}">
-        <p14:creationId xmlns:p14="http://schemas.microsoft.com/office/powerpoint/2010/main" val="1012577375"/>
+        <p14:creationId xmlns:p14="http://schemas.microsoft.com/office/powerpoint/2010/main" val="1469056180"/>
       </p:ext>
     </p:extLst>
   </p:cSld>
@@ -4369,6 +4352,196 @@
 </file>
 
 <file path=ppt/slides/slide14.xml><?xml version="1.0" encoding="utf-8"?>
+<p:sld xmlns:a="http://schemas.openxmlformats.org/drawingml/2006/main" xmlns:r="http://schemas.openxmlformats.org/officeDocument/2006/relationships" xmlns:p="http://schemas.openxmlformats.org/presentationml/2006/main">
+  <p:cSld>
+    <p:spTree>
+      <p:nvGrpSpPr>
+        <p:cNvPr id="1" name="">
+          <a:extLst>
+            <a:ext uri="{FF2B5EF4-FFF2-40B4-BE49-F238E27FC236}">
+              <a16:creationId xmlns:a16="http://schemas.microsoft.com/office/drawing/2014/main" id="{1AE70A77-DDB0-281B-4593-7568F19772CB}"/>
+            </a:ext>
+          </a:extLst>
+        </p:cNvPr>
+        <p:cNvGrpSpPr/>
+        <p:nvPr/>
+      </p:nvGrpSpPr>
+      <p:grpSpPr>
+        <a:xfrm>
+          <a:off x="0" y="0"/>
+          <a:ext cx="0" cy="0"/>
+          <a:chOff x="0" y="0"/>
+          <a:chExt cx="0" cy="0"/>
+        </a:xfrm>
+      </p:grpSpPr>
+      <p:sp>
+        <p:nvSpPr>
+          <p:cNvPr id="2" name="タイトル 1">
+            <a:extLst>
+              <a:ext uri="{FF2B5EF4-FFF2-40B4-BE49-F238E27FC236}">
+                <a16:creationId xmlns:a16="http://schemas.microsoft.com/office/drawing/2014/main" id="{430096D0-1722-9E8A-CB16-2D5770F0CF64}"/>
+              </a:ext>
+            </a:extLst>
+          </p:cNvPr>
+          <p:cNvSpPr>
+            <a:spLocks noGrp="1"/>
+          </p:cNvSpPr>
+          <p:nvPr>
+            <p:ph type="title"/>
+          </p:nvPr>
+        </p:nvSpPr>
+        <p:spPr/>
+        <p:txBody>
+          <a:bodyPr/>
+          <a:lstStyle/>
+          <a:p>
+            <a:r>
+              <a:rPr kumimoji="1" lang="en-US" altLang="ja-JP" dirty="0"/>
+              <a:t>Copy/Move, Destructor</a:t>
+            </a:r>
+            <a:r>
+              <a:rPr kumimoji="1" lang="ja-JP" altLang="en-US" dirty="0"/>
+              <a:t>の自動実装</a:t>
+            </a:r>
+          </a:p>
+        </p:txBody>
+      </p:sp>
+      <p:sp>
+        <p:nvSpPr>
+          <p:cNvPr id="3" name="コンテンツ プレースホルダー 2">
+            <a:extLst>
+              <a:ext uri="{FF2B5EF4-FFF2-40B4-BE49-F238E27FC236}">
+                <a16:creationId xmlns:a16="http://schemas.microsoft.com/office/drawing/2014/main" id="{C2FD0083-ECCA-E684-71E9-37AEE98A6C6F}"/>
+              </a:ext>
+            </a:extLst>
+          </p:cNvPr>
+          <p:cNvSpPr>
+            <a:spLocks noGrp="1"/>
+          </p:cNvSpPr>
+          <p:nvPr>
+            <p:ph idx="1"/>
+          </p:nvPr>
+        </p:nvSpPr>
+        <p:spPr/>
+        <p:txBody>
+          <a:bodyPr/>
+          <a:lstStyle/>
+          <a:p>
+            <a:pPr marL="0" indent="0">
+              <a:buNone/>
+            </a:pPr>
+            <a:endParaRPr lang="en-US" altLang="ja-JP" dirty="0"/>
+          </a:p>
+          <a:p>
+            <a:endParaRPr lang="en-US" altLang="ja-JP" dirty="0"/>
+          </a:p>
+          <a:p>
+            <a:pPr>
+              <a:buFont typeface="Wingdings" panose="05000000000000000000" pitchFamily="2" charset="2"/>
+              <a:buChar char="è"/>
+            </a:pPr>
+            <a:endParaRPr lang="en-US" altLang="ja-JP" dirty="0"/>
+          </a:p>
+          <a:p>
+            <a:pPr marL="0" indent="0">
+              <a:buNone/>
+            </a:pPr>
+            <a:endParaRPr lang="en-US" altLang="ja-JP" dirty="0"/>
+          </a:p>
+          <a:p>
+            <a:pPr marL="0" indent="0">
+              <a:buNone/>
+            </a:pPr>
+            <a:endParaRPr lang="en-US" altLang="ja-JP" dirty="0"/>
+          </a:p>
+        </p:txBody>
+      </p:sp>
+      <p:pic>
+        <p:nvPicPr>
+          <p:cNvPr id="5" name="図 4" descr="グラフィカル ユーザー インターフェイス, テキスト&#10;&#10;AI 生成コンテンツは誤りを含む可能性があります。">
+            <a:extLst>
+              <a:ext uri="{FF2B5EF4-FFF2-40B4-BE49-F238E27FC236}">
+                <a16:creationId xmlns:a16="http://schemas.microsoft.com/office/drawing/2014/main" id="{3A0D3A85-2309-C06E-7C11-65ABF8720572}"/>
+              </a:ext>
+            </a:extLst>
+          </p:cNvPr>
+          <p:cNvPicPr>
+            <a:picLocks noChangeAspect="1"/>
+          </p:cNvPicPr>
+          <p:nvPr/>
+        </p:nvPicPr>
+        <p:blipFill>
+          <a:blip r:embed="rId2">
+            <a:extLst>
+              <a:ext uri="{28A0092B-C50C-407E-A947-70E740481C1C}">
+                <a14:useLocalDpi xmlns:a14="http://schemas.microsoft.com/office/drawing/2010/main" val="0"/>
+              </a:ext>
+            </a:extLst>
+          </a:blip>
+          <a:stretch>
+            <a:fillRect/>
+          </a:stretch>
+        </p:blipFill>
+        <p:spPr>
+          <a:xfrm>
+            <a:off x="1008940" y="1825625"/>
+            <a:ext cx="5087060" cy="876422"/>
+          </a:xfrm>
+          <a:prstGeom prst="rect">
+            <a:avLst/>
+          </a:prstGeom>
+        </p:spPr>
+      </p:pic>
+      <p:pic>
+        <p:nvPicPr>
+          <p:cNvPr id="7" name="図 6" descr="テキスト&#10;&#10;AI 生成コンテンツは誤りを含む可能性があります。">
+            <a:extLst>
+              <a:ext uri="{FF2B5EF4-FFF2-40B4-BE49-F238E27FC236}">
+                <a16:creationId xmlns:a16="http://schemas.microsoft.com/office/drawing/2014/main" id="{A625BC9B-4E68-F400-7C6B-F8EBD88648D0}"/>
+              </a:ext>
+            </a:extLst>
+          </p:cNvPr>
+          <p:cNvPicPr>
+            <a:picLocks noChangeAspect="1"/>
+          </p:cNvPicPr>
+          <p:nvPr/>
+        </p:nvPicPr>
+        <p:blipFill>
+          <a:blip r:embed="rId3">
+            <a:extLst>
+              <a:ext uri="{28A0092B-C50C-407E-A947-70E740481C1C}">
+                <a14:useLocalDpi xmlns:a14="http://schemas.microsoft.com/office/drawing/2010/main" val="0"/>
+              </a:ext>
+            </a:extLst>
+          </a:blip>
+          <a:stretch>
+            <a:fillRect/>
+          </a:stretch>
+        </p:blipFill>
+        <p:spPr>
+          <a:xfrm>
+            <a:off x="1008940" y="3179505"/>
+            <a:ext cx="7306695" cy="1952898"/>
+          </a:xfrm>
+          <a:prstGeom prst="rect">
+            <a:avLst/>
+          </a:prstGeom>
+        </p:spPr>
+      </p:pic>
+    </p:spTree>
+    <p:extLst>
+      <p:ext uri="{BB962C8B-B14F-4D97-AF65-F5344CB8AC3E}">
+        <p14:creationId xmlns:p14="http://schemas.microsoft.com/office/powerpoint/2010/main" val="3001682846"/>
+      </p:ext>
+    </p:extLst>
+  </p:cSld>
+  <p:clrMapOvr>
+    <a:masterClrMapping/>
+  </p:clrMapOvr>
+</p:sld>
+</file>
+
+<file path=ppt/slides/slide15.xml><?xml version="1.0" encoding="utf-8"?>
 <p:sld xmlns:a="http://schemas.openxmlformats.org/drawingml/2006/main" xmlns:r="http://schemas.openxmlformats.org/officeDocument/2006/relationships" xmlns:p="http://schemas.openxmlformats.org/presentationml/2006/main">
   <p:cSld>
     <p:spTree>
@@ -4390,6 +4563,321 @@
           <p:cNvPr id="2" name="タイトル 1">
             <a:extLst>
               <a:ext uri="{FF2B5EF4-FFF2-40B4-BE49-F238E27FC236}">
+                <a16:creationId xmlns:a16="http://schemas.microsoft.com/office/drawing/2014/main" id="{9F37EB67-F9C8-FAE6-43E7-3463C106C259}"/>
+              </a:ext>
+            </a:extLst>
+          </p:cNvPr>
+          <p:cNvSpPr>
+            <a:spLocks noGrp="1"/>
+          </p:cNvSpPr>
+          <p:nvPr>
+            <p:ph type="title"/>
+          </p:nvPr>
+        </p:nvSpPr>
+        <p:spPr/>
+        <p:txBody>
+          <a:bodyPr/>
+          <a:lstStyle/>
+          <a:p>
+            <a:r>
+              <a:rPr lang="ja-JP" altLang="en-US" dirty="0"/>
+              <a:t>非自明な「</a:t>
+            </a:r>
+            <a:r>
+              <a:rPr lang="en-US" altLang="ja-JP" dirty="0"/>
+              <a:t>=</a:t>
+            </a:r>
+            <a:r>
+              <a:rPr lang="ja-JP" altLang="en-US" dirty="0"/>
+              <a:t>」は過ちである</a:t>
+            </a:r>
+            <a:endParaRPr kumimoji="1" lang="ja-JP" altLang="en-US" dirty="0"/>
+          </a:p>
+        </p:txBody>
+      </p:sp>
+      <p:sp>
+        <p:nvSpPr>
+          <p:cNvPr id="3" name="コンテンツ プレースホルダー 2">
+            <a:extLst>
+              <a:ext uri="{FF2B5EF4-FFF2-40B4-BE49-F238E27FC236}">
+                <a16:creationId xmlns:a16="http://schemas.microsoft.com/office/drawing/2014/main" id="{3C990EE9-A71D-86CF-39AC-54CD27C36D6B}"/>
+              </a:ext>
+            </a:extLst>
+          </p:cNvPr>
+          <p:cNvSpPr>
+            <a:spLocks noGrp="1"/>
+          </p:cNvSpPr>
+          <p:nvPr>
+            <p:ph idx="1"/>
+          </p:nvPr>
+        </p:nvSpPr>
+        <p:spPr/>
+        <p:txBody>
+          <a:bodyPr>
+            <a:normAutofit/>
+          </a:bodyPr>
+          <a:lstStyle/>
+          <a:p>
+            <a:pPr marL="0" indent="0">
+              <a:buNone/>
+            </a:pPr>
+            <a:r>
+              <a:rPr lang="ja-JP" altLang="en-US" sz="2600" dirty="0"/>
+              <a:t>もし、値の生存範囲がちゃんと判断できたなら</a:t>
+            </a:r>
+            <a:r>
+              <a:rPr lang="en-US" altLang="ja-JP" sz="2600" dirty="0"/>
+              <a:t>…</a:t>
+            </a:r>
+          </a:p>
+          <a:p>
+            <a:pPr marL="0" indent="0">
+              <a:buNone/>
+            </a:pPr>
+            <a:endParaRPr kumimoji="1" lang="en-US" altLang="ja-JP" sz="2600" dirty="0"/>
+          </a:p>
+          <a:p>
+            <a:r>
+              <a:rPr lang="ja-JP" altLang="en-US" sz="2600" dirty="0"/>
+              <a:t>左側の解放処理の有無を</a:t>
+            </a:r>
+            <a:br>
+              <a:rPr lang="en-US" altLang="ja-JP" sz="2600" dirty="0"/>
+            </a:br>
+            <a:r>
+              <a:rPr kumimoji="1" lang="ja-JP" altLang="en-US" sz="2600" dirty="0"/>
+              <a:t>コンストラクタと代入演算子で表現する必要はない</a:t>
+            </a:r>
+            <a:endParaRPr kumimoji="1" lang="en-US" altLang="ja-JP" sz="2600" dirty="0"/>
+          </a:p>
+          <a:p>
+            <a:r>
+              <a:rPr kumimoji="1" lang="en-US" altLang="ja-JP" sz="2600" dirty="0"/>
+              <a:t>Move</a:t>
+            </a:r>
+            <a:r>
+              <a:rPr lang="ja-JP" altLang="en-US" sz="2600" dirty="0"/>
+              <a:t>で右側を「失った状態」にする必要もない</a:t>
+            </a:r>
+            <a:endParaRPr lang="en-US" altLang="ja-JP" sz="2600" dirty="0"/>
+          </a:p>
+          <a:p>
+            <a:r>
+              <a:rPr lang="ja-JP" altLang="en-US" sz="2600" dirty="0"/>
+              <a:t>そもそも</a:t>
+            </a:r>
+            <a:r>
+              <a:rPr lang="en-US" altLang="ja-JP" sz="2600" dirty="0"/>
+              <a:t>Copy</a:t>
+            </a:r>
+            <a:r>
+              <a:rPr lang="ja-JP" altLang="en-US" sz="2600" dirty="0"/>
+              <a:t>は非自明。普通に複製を行う関数を用意し、使えばいい</a:t>
+            </a:r>
+            <a:endParaRPr lang="en-US" altLang="ja-JP" sz="2600" dirty="0"/>
+          </a:p>
+          <a:p>
+            <a:endParaRPr lang="en-US" altLang="ja-JP" sz="2600" dirty="0"/>
+          </a:p>
+          <a:p>
+            <a:pPr>
+              <a:buFont typeface="Wingdings" panose="05000000000000000000" pitchFamily="2" charset="2"/>
+              <a:buChar char="è"/>
+            </a:pPr>
+            <a:r>
+              <a:rPr lang="ja-JP" altLang="en-US" sz="2600" dirty="0"/>
+              <a:t> 代入は自明！</a:t>
+            </a:r>
+            <a:endParaRPr lang="en-US" altLang="ja-JP" sz="2600" dirty="0"/>
+          </a:p>
+          <a:p>
+            <a:pPr marL="0" indent="0">
+              <a:buNone/>
+            </a:pPr>
+            <a:r>
+              <a:rPr lang="ja-JP" altLang="en-US" sz="2600" dirty="0"/>
+              <a:t>思わぬところで変な処理が蠢くキモさを無くせる</a:t>
+            </a:r>
+            <a:endParaRPr lang="en-US" altLang="ja-JP" sz="2600" dirty="0"/>
+          </a:p>
+        </p:txBody>
+      </p:sp>
+    </p:spTree>
+    <p:extLst>
+      <p:ext uri="{BB962C8B-B14F-4D97-AF65-F5344CB8AC3E}">
+        <p14:creationId xmlns:p14="http://schemas.microsoft.com/office/powerpoint/2010/main" val="3803457927"/>
+      </p:ext>
+    </p:extLst>
+  </p:cSld>
+  <p:clrMapOvr>
+    <a:masterClrMapping/>
+  </p:clrMapOvr>
+</p:sld>
+</file>
+
+<file path=ppt/slides/slide16.xml><?xml version="1.0" encoding="utf-8"?>
+<p:sld xmlns:a="http://schemas.openxmlformats.org/drawingml/2006/main" xmlns:r="http://schemas.openxmlformats.org/officeDocument/2006/relationships" xmlns:p="http://schemas.openxmlformats.org/presentationml/2006/main">
+  <p:cSld>
+    <p:spTree>
+      <p:nvGrpSpPr>
+        <p:cNvPr id="1" name=""/>
+        <p:cNvGrpSpPr/>
+        <p:nvPr/>
+      </p:nvGrpSpPr>
+      <p:grpSpPr>
+        <a:xfrm>
+          <a:off x="0" y="0"/>
+          <a:ext cx="0" cy="0"/>
+          <a:chOff x="0" y="0"/>
+          <a:chExt cx="0" cy="0"/>
+        </a:xfrm>
+      </p:grpSpPr>
+      <p:sp>
+        <p:nvSpPr>
+          <p:cNvPr id="2" name="タイトル 1">
+            <a:extLst>
+              <a:ext uri="{FF2B5EF4-FFF2-40B4-BE49-F238E27FC236}">
+                <a16:creationId xmlns:a16="http://schemas.microsoft.com/office/drawing/2014/main" id="{4CB5D036-7A6B-C60A-7B7B-1951F84F4C52}"/>
+              </a:ext>
+            </a:extLst>
+          </p:cNvPr>
+          <p:cNvSpPr>
+            <a:spLocks noGrp="1"/>
+          </p:cNvSpPr>
+          <p:nvPr>
+            <p:ph type="title"/>
+          </p:nvPr>
+        </p:nvSpPr>
+        <p:spPr/>
+        <p:txBody>
+          <a:bodyPr/>
+          <a:lstStyle/>
+          <a:p>
+            <a:r>
+              <a:rPr lang="ja-JP" altLang="en-US" dirty="0"/>
+              <a:t>約束の地、</a:t>
+            </a:r>
+            <a:r>
+              <a:rPr lang="en-US" altLang="ja-JP" dirty="0"/>
+              <a:t>Rust</a:t>
+            </a:r>
+            <a:r>
+              <a:rPr lang="ja-JP" altLang="en-US" dirty="0"/>
+              <a:t>へ行かん</a:t>
+            </a:r>
+            <a:endParaRPr kumimoji="1" lang="ja-JP" altLang="en-US" dirty="0"/>
+          </a:p>
+        </p:txBody>
+      </p:sp>
+      <p:sp>
+        <p:nvSpPr>
+          <p:cNvPr id="3" name="コンテンツ プレースホルダー 2">
+            <a:extLst>
+              <a:ext uri="{FF2B5EF4-FFF2-40B4-BE49-F238E27FC236}">
+                <a16:creationId xmlns:a16="http://schemas.microsoft.com/office/drawing/2014/main" id="{A4F3A7DD-28C9-FB44-B4D9-376762FD1D81}"/>
+              </a:ext>
+            </a:extLst>
+          </p:cNvPr>
+          <p:cNvSpPr>
+            <a:spLocks noGrp="1"/>
+          </p:cNvSpPr>
+          <p:nvPr>
+            <p:ph idx="1"/>
+          </p:nvPr>
+        </p:nvSpPr>
+        <p:spPr>
+          <a:xfrm>
+            <a:off x="838200" y="1845289"/>
+            <a:ext cx="10515600" cy="4351338"/>
+          </a:xfrm>
+        </p:spPr>
+        <p:txBody>
+          <a:bodyPr/>
+          <a:lstStyle/>
+          <a:p>
+            <a:pPr marL="0" indent="0">
+              <a:buNone/>
+            </a:pPr>
+            <a:r>
+              <a:rPr lang="en-US" altLang="ja-JP" dirty="0"/>
+              <a:t>CRS</a:t>
+            </a:r>
+            <a:r>
+              <a:rPr lang="ja-JP" altLang="en-US" dirty="0"/>
+              <a:t>「みんな</a:t>
+            </a:r>
+            <a:r>
+              <a:rPr lang="en-US" altLang="ja-JP" dirty="0"/>
+              <a:t>C++</a:t>
+            </a:r>
+            <a:r>
+              <a:rPr lang="ja-JP" altLang="en-US" dirty="0"/>
+              <a:t>を使ってます。だからダメです」</a:t>
+            </a:r>
+            <a:endParaRPr lang="en-US" altLang="ja-JP" dirty="0"/>
+          </a:p>
+          <a:p>
+            <a:pPr marL="0" indent="0">
+              <a:buNone/>
+            </a:pPr>
+            <a:endParaRPr kumimoji="1" lang="en-US" altLang="ja-JP" dirty="0"/>
+          </a:p>
+          <a:p>
+            <a:pPr marL="0" indent="0">
+              <a:buNone/>
+            </a:pPr>
+            <a:r>
+              <a:rPr lang="ja-JP" altLang="en-US" dirty="0"/>
+              <a:t>はい</a:t>
+            </a:r>
+            <a:r>
+              <a:rPr lang="en-US" altLang="ja-JP" dirty="0"/>
+              <a:t>…</a:t>
+            </a:r>
+          </a:p>
+          <a:p>
+            <a:pPr marL="0" indent="0">
+              <a:buNone/>
+            </a:pPr>
+            <a:endParaRPr lang="en-US" altLang="ja-JP" dirty="0"/>
+          </a:p>
+        </p:txBody>
+      </p:sp>
+    </p:spTree>
+    <p:extLst>
+      <p:ext uri="{BB962C8B-B14F-4D97-AF65-F5344CB8AC3E}">
+        <p14:creationId xmlns:p14="http://schemas.microsoft.com/office/powerpoint/2010/main" val="1012577375"/>
+      </p:ext>
+    </p:extLst>
+  </p:cSld>
+  <p:clrMapOvr>
+    <a:masterClrMapping/>
+  </p:clrMapOvr>
+</p:sld>
+</file>
+
+<file path=ppt/slides/slide17.xml><?xml version="1.0" encoding="utf-8"?>
+<p:sld xmlns:a="http://schemas.openxmlformats.org/drawingml/2006/main" xmlns:r="http://schemas.openxmlformats.org/officeDocument/2006/relationships" xmlns:p="http://schemas.openxmlformats.org/presentationml/2006/main">
+  <p:cSld>
+    <p:spTree>
+      <p:nvGrpSpPr>
+        <p:cNvPr id="1" name=""/>
+        <p:cNvGrpSpPr/>
+        <p:nvPr/>
+      </p:nvGrpSpPr>
+      <p:grpSpPr>
+        <a:xfrm>
+          <a:off x="0" y="0"/>
+          <a:ext cx="0" cy="0"/>
+          <a:chOff x="0" y="0"/>
+          <a:chExt cx="0" cy="0"/>
+        </a:xfrm>
+      </p:grpSpPr>
+      <p:sp>
+        <p:nvSpPr>
+          <p:cNvPr id="2" name="タイトル 1">
+            <a:extLst>
+              <a:ext uri="{FF2B5EF4-FFF2-40B4-BE49-F238E27FC236}">
                 <a16:creationId xmlns:a16="http://schemas.microsoft.com/office/drawing/2014/main" id="{6648F092-6538-097F-AE66-E969010C1E1C}"/>
               </a:ext>
             </a:extLst>
@@ -4434,7 +4922,37 @@
           <a:bodyPr/>
           <a:lstStyle/>
           <a:p>
-            <a:endParaRPr kumimoji="1" lang="ja-JP" altLang="en-US"/>
+            <a:r>
+              <a:rPr kumimoji="1" lang="en-US" altLang="ja-JP" dirty="0"/>
+              <a:t>Window, Renderer, Texture</a:t>
+            </a:r>
+            <a:r>
+              <a:rPr kumimoji="1" lang="ja-JP" altLang="en-US" dirty="0"/>
+              <a:t>の</a:t>
+            </a:r>
+            <a:br>
+              <a:rPr kumimoji="1" lang="en-US" altLang="ja-JP" dirty="0"/>
+            </a:br>
+            <a:r>
+              <a:rPr kumimoji="1" lang="ja-JP" altLang="en-US" dirty="0"/>
+              <a:t>生成関数</a:t>
+            </a:r>
+            <a:r>
+              <a:rPr kumimoji="1" lang="en-US" altLang="ja-JP" dirty="0"/>
+              <a:t>, Move</a:t>
+            </a:r>
+            <a:r>
+              <a:rPr kumimoji="1" lang="ja-JP" altLang="en-US" dirty="0"/>
+              <a:t>コンストラクタ</a:t>
+            </a:r>
+            <a:r>
+              <a:rPr kumimoji="1" lang="en-US" altLang="ja-JP" dirty="0"/>
+              <a:t>, </a:t>
+            </a:r>
+            <a:r>
+              <a:rPr kumimoji="1" lang="ja-JP" altLang="en-US" dirty="0"/>
+              <a:t>デストラクタを実装しよう</a:t>
+            </a:r>
           </a:p>
         </p:txBody>
       </p:sp>
@@ -5376,121 +5894,6 @@
   <p:cSld>
     <p:spTree>
       <p:nvGrpSpPr>
-        <p:cNvPr id="1" name=""/>
-        <p:cNvGrpSpPr/>
-        <p:nvPr/>
-      </p:nvGrpSpPr>
-      <p:grpSpPr>
-        <a:xfrm>
-          <a:off x="0" y="0"/>
-          <a:ext cx="0" cy="0"/>
-          <a:chOff x="0" y="0"/>
-          <a:chExt cx="0" cy="0"/>
-        </a:xfrm>
-      </p:grpSpPr>
-      <p:sp>
-        <p:nvSpPr>
-          <p:cNvPr id="2" name="タイトル 1">
-            <a:extLst>
-              <a:ext uri="{FF2B5EF4-FFF2-40B4-BE49-F238E27FC236}">
-                <a16:creationId xmlns:a16="http://schemas.microsoft.com/office/drawing/2014/main" id="{484F5812-9762-CCEE-58C2-8F603CDC9011}"/>
-              </a:ext>
-            </a:extLst>
-          </p:cNvPr>
-          <p:cNvSpPr>
-            <a:spLocks noGrp="1"/>
-          </p:cNvSpPr>
-          <p:nvPr>
-            <p:ph type="title"/>
-          </p:nvPr>
-        </p:nvSpPr>
-        <p:spPr/>
-        <p:txBody>
-          <a:bodyPr/>
-          <a:lstStyle/>
-          <a:p>
-            <a:r>
-              <a:rPr kumimoji="1" lang="en-US" altLang="ja-JP" dirty="0"/>
-              <a:t>Copy</a:t>
-            </a:r>
-            <a:r>
-              <a:rPr kumimoji="1" lang="ja-JP" altLang="en-US" dirty="0"/>
-              <a:t>コンストラクタ、</a:t>
-            </a:r>
-            <a:r>
-              <a:rPr kumimoji="1" lang="en-US" altLang="ja-JP" dirty="0"/>
-              <a:t>Copy</a:t>
-            </a:r>
-            <a:r>
-              <a:rPr kumimoji="1" lang="ja-JP" altLang="en-US" dirty="0"/>
-              <a:t>代入演算子</a:t>
-            </a:r>
-          </a:p>
-        </p:txBody>
-      </p:sp>
-      <p:sp>
-        <p:nvSpPr>
-          <p:cNvPr id="3" name="コンテンツ プレースホルダー 2">
-            <a:extLst>
-              <a:ext uri="{FF2B5EF4-FFF2-40B4-BE49-F238E27FC236}">
-                <a16:creationId xmlns:a16="http://schemas.microsoft.com/office/drawing/2014/main" id="{6C4F3C2C-974A-C66C-5EC1-5F472533DCF9}"/>
-              </a:ext>
-            </a:extLst>
-          </p:cNvPr>
-          <p:cNvSpPr>
-            <a:spLocks noGrp="1"/>
-          </p:cNvSpPr>
-          <p:nvPr>
-            <p:ph idx="1"/>
-          </p:nvPr>
-        </p:nvSpPr>
-        <p:spPr/>
-        <p:txBody>
-          <a:bodyPr/>
-          <a:lstStyle/>
-          <a:p>
-            <a:r>
-              <a:rPr lang="ja-JP" altLang="en-US" dirty="0"/>
-              <a:t>借用で右側を受ける</a:t>
-            </a:r>
-            <a:endParaRPr lang="en-US" altLang="ja-JP" dirty="0"/>
-          </a:p>
-          <a:p>
-            <a:pPr lvl="1"/>
-            <a:r>
-              <a:rPr lang="ja-JP" altLang="en-US" dirty="0"/>
-              <a:t>「弄らない」のだから、</a:t>
-            </a:r>
-            <a:r>
-              <a:rPr lang="en-US" altLang="ja-JP" dirty="0"/>
-              <a:t>const</a:t>
-            </a:r>
-            <a:r>
-              <a:rPr lang="ja-JP" altLang="en-US" dirty="0"/>
-              <a:t>な借用</a:t>
-            </a:r>
-            <a:endParaRPr kumimoji="1" lang="en-US" altLang="ja-JP" dirty="0"/>
-          </a:p>
-        </p:txBody>
-      </p:sp>
-    </p:spTree>
-    <p:extLst>
-      <p:ext uri="{BB962C8B-B14F-4D97-AF65-F5344CB8AC3E}">
-        <p14:creationId xmlns:p14="http://schemas.microsoft.com/office/powerpoint/2010/main" val="1661574308"/>
-      </p:ext>
-    </p:extLst>
-  </p:cSld>
-  <p:clrMapOvr>
-    <a:masterClrMapping/>
-  </p:clrMapOvr>
-</p:sld>
-</file>
-
-<file path=ppt/slides/slide8.xml><?xml version="1.0" encoding="utf-8"?>
-<p:sld xmlns:a="http://schemas.openxmlformats.org/drawingml/2006/main" xmlns:r="http://schemas.openxmlformats.org/officeDocument/2006/relationships" xmlns:p="http://schemas.openxmlformats.org/presentationml/2006/main">
-  <p:cSld>
-    <p:spTree>
-      <p:nvGrpSpPr>
         <p:cNvPr id="1" name="">
           <a:extLst>
             <a:ext uri="{FF2B5EF4-FFF2-40B4-BE49-F238E27FC236}">
@@ -5570,65 +5973,210 @@
           <a:bodyPr/>
           <a:lstStyle/>
           <a:p>
-            <a:r>
-              <a:rPr kumimoji="1" lang="ja-JP" altLang="en-US" dirty="0"/>
-              <a:t>借用で右側を受ける</a:t>
-            </a:r>
-            <a:endParaRPr kumimoji="1" lang="en-US" altLang="ja-JP" dirty="0"/>
-          </a:p>
-          <a:p>
-            <a:pPr lvl="1"/>
-            <a:r>
-              <a:rPr lang="en-US" altLang="ja-JP" dirty="0"/>
-              <a:t>&amp;</a:t>
-            </a:r>
-            <a:r>
-              <a:rPr lang="ja-JP" altLang="en-US" dirty="0"/>
-              <a:t>が</a:t>
-            </a:r>
-            <a:r>
-              <a:rPr lang="en-US" altLang="ja-JP" dirty="0"/>
-              <a:t>2</a:t>
-            </a:r>
-            <a:r>
-              <a:rPr lang="ja-JP" altLang="en-US" dirty="0"/>
-              <a:t>つ</a:t>
-            </a:r>
-            <a:r>
-              <a:rPr lang="en-US" altLang="ja-JP" dirty="0"/>
-              <a:t>(</a:t>
-            </a:r>
-            <a:r>
-              <a:rPr lang="ja-JP" altLang="en-US" dirty="0"/>
-              <a:t>後述</a:t>
-            </a:r>
-            <a:r>
-              <a:rPr lang="en-US" altLang="ja-JP" dirty="0"/>
-              <a:t>)</a:t>
-            </a:r>
-          </a:p>
-          <a:p>
-            <a:pPr lvl="1"/>
-            <a:r>
-              <a:rPr lang="ja-JP" altLang="en-US" dirty="0"/>
-              <a:t>変更しても良いので、非</a:t>
-            </a:r>
-            <a:r>
-              <a:rPr lang="en-US" altLang="ja-JP" dirty="0"/>
-              <a:t>const</a:t>
-            </a:r>
-            <a:r>
-              <a:rPr lang="ja-JP" altLang="en-US" dirty="0"/>
-              <a:t>で良い</a:t>
-            </a:r>
             <a:endParaRPr lang="en-US" altLang="ja-JP" dirty="0"/>
           </a:p>
         </p:txBody>
       </p:sp>
+      <p:pic>
+        <p:nvPicPr>
+          <p:cNvPr id="5" name="図 4" descr="テキスト&#10;&#10;AI 生成コンテンツは誤りを含む可能性があります。">
+            <a:extLst>
+              <a:ext uri="{FF2B5EF4-FFF2-40B4-BE49-F238E27FC236}">
+                <a16:creationId xmlns:a16="http://schemas.microsoft.com/office/drawing/2014/main" id="{4464CCFC-D9FA-65B2-6AE9-7609FC762083}"/>
+              </a:ext>
+            </a:extLst>
+          </p:cNvPr>
+          <p:cNvPicPr>
+            <a:picLocks noChangeAspect="1"/>
+          </p:cNvPicPr>
+          <p:nvPr/>
+        </p:nvPicPr>
+        <p:blipFill>
+          <a:blip r:embed="rId2">
+            <a:extLst>
+              <a:ext uri="{28A0092B-C50C-407E-A947-70E740481C1C}">
+                <a14:useLocalDpi xmlns:a14="http://schemas.microsoft.com/office/drawing/2010/main" val="0"/>
+              </a:ext>
+            </a:extLst>
+          </a:blip>
+          <a:stretch>
+            <a:fillRect/>
+          </a:stretch>
+        </p:blipFill>
+        <p:spPr>
+          <a:xfrm>
+            <a:off x="2998366" y="2024742"/>
+            <a:ext cx="4563112" cy="3477110"/>
+          </a:xfrm>
+          <a:prstGeom prst="rect">
+            <a:avLst/>
+          </a:prstGeom>
+        </p:spPr>
+      </p:pic>
     </p:spTree>
     <p:extLst>
       <p:ext uri="{BB962C8B-B14F-4D97-AF65-F5344CB8AC3E}">
         <p14:creationId xmlns:p14="http://schemas.microsoft.com/office/powerpoint/2010/main" val="2362400267"/>
+      </p:ext>
+    </p:extLst>
+  </p:cSld>
+  <p:clrMapOvr>
+    <a:masterClrMapping/>
+  </p:clrMapOvr>
+</p:sld>
+</file>
+
+<file path=ppt/slides/slide8.xml><?xml version="1.0" encoding="utf-8"?>
+<p:sld xmlns:a="http://schemas.openxmlformats.org/drawingml/2006/main" xmlns:r="http://schemas.openxmlformats.org/officeDocument/2006/relationships" xmlns:p="http://schemas.openxmlformats.org/presentationml/2006/main">
+  <p:cSld>
+    <p:spTree>
+      <p:nvGrpSpPr>
+        <p:cNvPr id="1" name="">
+          <a:extLst>
+            <a:ext uri="{FF2B5EF4-FFF2-40B4-BE49-F238E27FC236}">
+              <a16:creationId xmlns:a16="http://schemas.microsoft.com/office/drawing/2014/main" id="{E298E63C-7905-FFEE-5000-553D9D9B5870}"/>
+            </a:ext>
+          </a:extLst>
+        </p:cNvPr>
+        <p:cNvGrpSpPr/>
+        <p:nvPr/>
+      </p:nvGrpSpPr>
+      <p:grpSpPr>
+        <a:xfrm>
+          <a:off x="0" y="0"/>
+          <a:ext cx="0" cy="0"/>
+          <a:chOff x="0" y="0"/>
+          <a:chExt cx="0" cy="0"/>
+        </a:xfrm>
+      </p:grpSpPr>
+      <p:sp>
+        <p:nvSpPr>
+          <p:cNvPr id="2" name="タイトル 1">
+            <a:extLst>
+              <a:ext uri="{FF2B5EF4-FFF2-40B4-BE49-F238E27FC236}">
+                <a16:creationId xmlns:a16="http://schemas.microsoft.com/office/drawing/2014/main" id="{68AE34C5-D156-D924-4D97-F76B597AF5C1}"/>
+              </a:ext>
+            </a:extLst>
+          </p:cNvPr>
+          <p:cNvSpPr>
+            <a:spLocks noGrp="1"/>
+          </p:cNvSpPr>
+          <p:nvPr>
+            <p:ph type="title"/>
+          </p:nvPr>
+        </p:nvSpPr>
+        <p:spPr/>
+        <p:txBody>
+          <a:bodyPr/>
+          <a:lstStyle/>
+          <a:p>
+            <a:r>
+              <a:rPr kumimoji="1" lang="en-US" altLang="ja-JP" dirty="0"/>
+              <a:t>Move</a:t>
+            </a:r>
+            <a:r>
+              <a:rPr kumimoji="1" lang="ja-JP" altLang="en-US" dirty="0"/>
+              <a:t>コンストラクタ、</a:t>
+            </a:r>
+            <a:r>
+              <a:rPr kumimoji="1" lang="en-US" altLang="ja-JP" dirty="0"/>
+              <a:t>Move</a:t>
+            </a:r>
+            <a:r>
+              <a:rPr kumimoji="1" lang="ja-JP" altLang="en-US" dirty="0"/>
+              <a:t>代入演算子</a:t>
+            </a:r>
+          </a:p>
+        </p:txBody>
+      </p:sp>
+      <p:sp>
+        <p:nvSpPr>
+          <p:cNvPr id="3" name="コンテンツ プレースホルダー 2">
+            <a:extLst>
+              <a:ext uri="{FF2B5EF4-FFF2-40B4-BE49-F238E27FC236}">
+                <a16:creationId xmlns:a16="http://schemas.microsoft.com/office/drawing/2014/main" id="{EB6214B9-0C9F-7DD4-0D45-54965460636B}"/>
+              </a:ext>
+            </a:extLst>
+          </p:cNvPr>
+          <p:cNvSpPr>
+            <a:spLocks noGrp="1"/>
+          </p:cNvSpPr>
+          <p:nvPr>
+            <p:ph idx="1"/>
+          </p:nvPr>
+        </p:nvSpPr>
+        <p:spPr/>
+        <p:txBody>
+          <a:bodyPr/>
+          <a:lstStyle/>
+          <a:p>
+            <a:r>
+              <a:rPr kumimoji="1" lang="ja-JP" altLang="en-US" dirty="0"/>
+              <a:t>借用で右側を受ける</a:t>
+            </a:r>
+            <a:endParaRPr kumimoji="1" lang="en-US" altLang="ja-JP" dirty="0"/>
+          </a:p>
+          <a:p>
+            <a:pPr lvl="1"/>
+            <a:r>
+              <a:rPr lang="en-US" altLang="ja-JP" dirty="0"/>
+              <a:t>&amp;</a:t>
+            </a:r>
+            <a:r>
+              <a:rPr lang="ja-JP" altLang="en-US" dirty="0"/>
+              <a:t>が</a:t>
+            </a:r>
+            <a:r>
+              <a:rPr lang="en-US" altLang="ja-JP" dirty="0"/>
+              <a:t>2</a:t>
+            </a:r>
+            <a:r>
+              <a:rPr lang="ja-JP" altLang="en-US" dirty="0"/>
+              <a:t>つ</a:t>
+            </a:r>
+            <a:r>
+              <a:rPr lang="en-US" altLang="ja-JP" dirty="0"/>
+              <a:t>(</a:t>
+            </a:r>
+            <a:r>
+              <a:rPr lang="ja-JP" altLang="en-US" dirty="0"/>
+              <a:t>後述</a:t>
+            </a:r>
+            <a:r>
+              <a:rPr lang="en-US" altLang="ja-JP" dirty="0"/>
+              <a:t>)</a:t>
+            </a:r>
+          </a:p>
+          <a:p>
+            <a:pPr lvl="1"/>
+            <a:r>
+              <a:rPr lang="ja-JP" altLang="en-US" dirty="0"/>
+              <a:t>値をもらい受ける </a:t>
+            </a:r>
+            <a:r>
+              <a:rPr lang="en-US" altLang="ja-JP" dirty="0"/>
+              <a:t>= </a:t>
+            </a:r>
+            <a:r>
+              <a:rPr lang="ja-JP" altLang="en-US" dirty="0"/>
+              <a:t>変更しても良いので、非</a:t>
+            </a:r>
+            <a:r>
+              <a:rPr lang="en-US" altLang="ja-JP" dirty="0"/>
+              <a:t>const</a:t>
+            </a:r>
+            <a:r>
+              <a:rPr lang="ja-JP" altLang="en-US" dirty="0"/>
+              <a:t>で良い</a:t>
+            </a:r>
+            <a:endParaRPr lang="en-US" altLang="ja-JP" dirty="0"/>
+          </a:p>
+        </p:txBody>
+      </p:sp>
+    </p:spTree>
+    <p:extLst>
+      <p:ext uri="{BB962C8B-B14F-4D97-AF65-F5344CB8AC3E}">
+        <p14:creationId xmlns:p14="http://schemas.microsoft.com/office/powerpoint/2010/main" val="843656472"/>
       </p:ext>
     </p:extLst>
   </p:cSld>
@@ -5719,7 +6267,7 @@
         <p:spPr/>
         <p:txBody>
           <a:bodyPr>
-            <a:normAutofit fontScale="92500"/>
+            <a:normAutofit fontScale="92500" lnSpcReduction="10000"/>
           </a:bodyPr>
           <a:lstStyle/>
           <a:p>
@@ -5868,6 +6416,32 @@
             <a:r>
               <a:rPr kumimoji="1" lang="ja-JP" altLang="en-US" dirty="0"/>
               <a:t>で借用する</a:t>
+            </a:r>
+            <a:endParaRPr kumimoji="1" lang="en-US" altLang="ja-JP" dirty="0"/>
+          </a:p>
+          <a:p>
+            <a:pPr marL="0" indent="0">
+              <a:buNone/>
+            </a:pPr>
+            <a:r>
+              <a:rPr kumimoji="1" lang="ja-JP" altLang="en-US" dirty="0"/>
+              <a:t>代入可能な値を明示的に</a:t>
+            </a:r>
+            <a:r>
+              <a:rPr kumimoji="1" lang="en-US" altLang="ja-JP" dirty="0"/>
+              <a:t>Move</a:t>
+            </a:r>
+            <a:r>
+              <a:rPr kumimoji="1" lang="ja-JP" altLang="en-US" dirty="0"/>
+              <a:t>させたいときは、</a:t>
+            </a:r>
+            <a:r>
+              <a:rPr kumimoji="1" lang="en-US" altLang="ja-JP" dirty="0"/>
+              <a:t>std::move</a:t>
+            </a:r>
+            <a:r>
+              <a:rPr kumimoji="1" lang="ja-JP" altLang="en-US" dirty="0"/>
+              <a:t>を使う</a:t>
             </a:r>
             <a:endParaRPr kumimoji="1" lang="en-US" altLang="ja-JP" dirty="0"/>
           </a:p>
